--- a/Docker_Kubernetes/NTUC-Docker-Learning guide-updated-Feb-2025/Day5/Architecting with docker and kuberentes.pptx
+++ b/Docker_Kubernetes/NTUC-Docker-Learning guide-updated-Feb-2025/Day5/Architecting with docker and kuberentes.pptx
@@ -122,6 +122,32 @@
 </p:presentation>
 </file>
 
+<file path=ppt/commentAuthors.xml><?xml version="1.0" encoding="utf-8"?>
+<p:cmAuthorLst xmlns:a="http://schemas.openxmlformats.org/drawingml/2006/main" xmlns:r="http://schemas.openxmlformats.org/officeDocument/2006/relationships" xmlns:p="http://schemas.openxmlformats.org/presentationml/2006/main">
+  <p:cmAuthor id="1" name="Venugopal Devaraj" initials="VD" lastIdx="1" clrIdx="0">
+    <p:extLst>
+      <p:ext uri="{19B8F6BF-5375-455C-9EA6-DF929625EA0E}">
+        <p15:presenceInfo xmlns:p15="http://schemas.microsoft.com/office/powerpoint/2012/main" userId="6d19adc29ad4cb9b" providerId="Windows Live"/>
+      </p:ext>
+    </p:extLst>
+  </p:cmAuthor>
+</p:cmAuthorLst>
+</file>
+
+<file path=ppt/comments/comment1.xml><?xml version="1.0" encoding="utf-8"?>
+<p:cmLst xmlns:a="http://schemas.openxmlformats.org/drawingml/2006/main" xmlns:r="http://schemas.openxmlformats.org/officeDocument/2006/relationships" xmlns:p="http://schemas.openxmlformats.org/presentationml/2006/main">
+  <p:cm authorId="1" dt="2025-05-23T09:46:44.276" idx="1">
+    <p:pos x="10" y="10"/>
+    <p:text>need to have namespace isolation</p:text>
+    <p:extLst>
+      <p:ext uri="{C676402C-5697-4E1C-873F-D02D1690AC5C}">
+        <p15:threadingInfo xmlns:p15="http://schemas.microsoft.com/office/powerpoint/2012/main" timeZoneBias="-480"/>
+      </p:ext>
+    </p:extLst>
+  </p:cm>
+</p:cmLst>
+</file>
+
 <file path=ppt/slideLayouts/slideLayout1.xml><?xml version="1.0" encoding="utf-8"?>
 <p:sldLayout xmlns:a="http://schemas.openxmlformats.org/drawingml/2006/main" xmlns:r="http://schemas.openxmlformats.org/officeDocument/2006/relationships" xmlns:p="http://schemas.openxmlformats.org/presentationml/2006/main" showMasterSp="0" type="title" preserve="1">
   <p:cSld name="Title Slide">
@@ -278,7 +304,7 @@
           <a:p>
             <a:fld id="{1C8322F6-1C60-46CF-968C-BC20E470F443}" type="datetimeFigureOut">
               <a:rPr lang="en-US" smtClean="0"/>
-              <a:t>2/15/25</a:t>
+              <a:t>5/23/2025</a:t>
             </a:fld>
             <a:endParaRPr lang="en-US"/>
           </a:p>
@@ -612,7 +638,7 @@
           <a:p>
             <a:fld id="{1C8322F6-1C60-46CF-968C-BC20E470F443}" type="datetimeFigureOut">
               <a:rPr lang="en-US" smtClean="0"/>
-              <a:t>2/15/25</a:t>
+              <a:t>5/23/2025</a:t>
             </a:fld>
             <a:endParaRPr lang="en-US"/>
           </a:p>
@@ -865,7 +891,7 @@
           <a:p>
             <a:fld id="{1C8322F6-1C60-46CF-968C-BC20E470F443}" type="datetimeFigureOut">
               <a:rPr lang="en-US" smtClean="0"/>
-              <a:t>2/15/25</a:t>
+              <a:t>5/23/2025</a:t>
             </a:fld>
             <a:endParaRPr lang="en-US"/>
           </a:p>
@@ -1199,7 +1225,7 @@
           <a:p>
             <a:fld id="{1C8322F6-1C60-46CF-968C-BC20E470F443}" type="datetimeFigureOut">
               <a:rPr lang="en-US" smtClean="0"/>
-              <a:t>2/15/25</a:t>
+              <a:t>5/23/2025</a:t>
             </a:fld>
             <a:endParaRPr lang="en-US"/>
           </a:p>
@@ -1480,7 +1506,7 @@
           <a:p>
             <a:fld id="{1C8322F6-1C60-46CF-968C-BC20E470F443}" type="datetimeFigureOut">
               <a:rPr lang="en-US" smtClean="0"/>
-              <a:t>2/15/25</a:t>
+              <a:t>5/23/2025</a:t>
             </a:fld>
             <a:endParaRPr lang="en-US"/>
           </a:p>
@@ -1882,7 +1908,7 @@
           <a:p>
             <a:fld id="{1C8322F6-1C60-46CF-968C-BC20E470F443}" type="datetimeFigureOut">
               <a:rPr lang="en-US" smtClean="0"/>
-              <a:t>2/15/25</a:t>
+              <a:t>5/23/2025</a:t>
             </a:fld>
             <a:endParaRPr lang="en-US"/>
           </a:p>
@@ -2343,7 +2369,7 @@
           <a:p>
             <a:fld id="{1C8322F6-1C60-46CF-968C-BC20E470F443}" type="datetimeFigureOut">
               <a:rPr lang="en-US" smtClean="0"/>
-              <a:t>2/15/25</a:t>
+              <a:t>5/23/2025</a:t>
             </a:fld>
             <a:endParaRPr lang="en-US"/>
           </a:p>
@@ -2576,7 +2602,7 @@
           <a:p>
             <a:fld id="{1C8322F6-1C60-46CF-968C-BC20E470F443}" type="datetimeFigureOut">
               <a:rPr lang="en-US" smtClean="0"/>
-              <a:t>2/15/25</a:t>
+              <a:t>5/23/2025</a:t>
             </a:fld>
             <a:endParaRPr lang="en-US"/>
           </a:p>
@@ -2775,7 +2801,7 @@
           <a:p>
             <a:fld id="{1C8322F6-1C60-46CF-968C-BC20E470F443}" type="datetimeFigureOut">
               <a:rPr lang="en-US" smtClean="0"/>
-              <a:t>2/15/25</a:t>
+              <a:t>5/23/2025</a:t>
             </a:fld>
             <a:endParaRPr lang="en-US"/>
           </a:p>
@@ -3088,7 +3114,7 @@
           <a:p>
             <a:fld id="{1C8322F6-1C60-46CF-968C-BC20E470F443}" type="datetimeFigureOut">
               <a:rPr lang="en-US" smtClean="0"/>
-              <a:t>2/15/25</a:t>
+              <a:t>5/23/2025</a:t>
             </a:fld>
             <a:endParaRPr lang="en-US"/>
           </a:p>
@@ -3552,7 +3578,7 @@
           <a:p>
             <a:fld id="{1C8322F6-1C60-46CF-968C-BC20E470F443}" type="datetimeFigureOut">
               <a:rPr lang="en-US" smtClean="0"/>
-              <a:t>2/15/25</a:t>
+              <a:t>5/23/2025</a:t>
             </a:fld>
             <a:endParaRPr lang="en-US"/>
           </a:p>
@@ -3965,7 +3991,7 @@
           <a:p>
             <a:fld id="{1C8322F6-1C60-46CF-968C-BC20E470F443}" type="datetimeFigureOut">
               <a:rPr lang="en-US" smtClean="0"/>
-              <a:t>2/15/25</a:t>
+              <a:t>5/23/2025</a:t>
             </a:fld>
             <a:endParaRPr lang="en-US"/>
           </a:p>
